--- a/17-Exam preparation.pptx
+++ b/17-Exam preparation.pptx
@@ -212,7 +212,7 @@
           <a:p>
             <a:fld id="{1A052DDE-B79B-4585-97B6-DCDE6083B029}" type="datetimeFigureOut">
               <a:rPr lang="bg-BG" smtClean="0"/>
-              <a:t>8.11.2015 г.</a:t>
+              <a:t>3.2.2016 г.</a:t>
             </a:fld>
             <a:endParaRPr lang="bg-BG"/>
           </a:p>
@@ -661,7 +661,7 @@
           <a:p>
             <a:fld id="{3EA744D9-3FBE-48D8-BF2A-85DF203E4D20}" type="datetimeFigureOut">
               <a:rPr lang="bg-BG" smtClean="0"/>
-              <a:t>8.11.2015 г.</a:t>
+              <a:t>3.2.2016 г.</a:t>
             </a:fld>
             <a:endParaRPr lang="bg-BG"/>
           </a:p>
@@ -831,7 +831,7 @@
           <a:p>
             <a:fld id="{3EA744D9-3FBE-48D8-BF2A-85DF203E4D20}" type="datetimeFigureOut">
               <a:rPr lang="bg-BG" smtClean="0"/>
-              <a:t>8.11.2015 г.</a:t>
+              <a:t>3.2.2016 г.</a:t>
             </a:fld>
             <a:endParaRPr lang="bg-BG"/>
           </a:p>
@@ -1011,7 +1011,7 @@
           <a:p>
             <a:fld id="{3EA744D9-3FBE-48D8-BF2A-85DF203E4D20}" type="datetimeFigureOut">
               <a:rPr lang="bg-BG" smtClean="0"/>
-              <a:t>8.11.2015 г.</a:t>
+              <a:t>3.2.2016 г.</a:t>
             </a:fld>
             <a:endParaRPr lang="bg-BG"/>
           </a:p>
@@ -1181,7 +1181,7 @@
           <a:p>
             <a:fld id="{3EA744D9-3FBE-48D8-BF2A-85DF203E4D20}" type="datetimeFigureOut">
               <a:rPr lang="bg-BG" smtClean="0"/>
-              <a:t>8.11.2015 г.</a:t>
+              <a:t>3.2.2016 г.</a:t>
             </a:fld>
             <a:endParaRPr lang="bg-BG"/>
           </a:p>
@@ -1427,7 +1427,7 @@
           <a:p>
             <a:fld id="{3EA744D9-3FBE-48D8-BF2A-85DF203E4D20}" type="datetimeFigureOut">
               <a:rPr lang="bg-BG" smtClean="0"/>
-              <a:t>8.11.2015 г.</a:t>
+              <a:t>3.2.2016 г.</a:t>
             </a:fld>
             <a:endParaRPr lang="bg-BG"/>
           </a:p>
@@ -1715,7 +1715,7 @@
           <a:p>
             <a:fld id="{3EA744D9-3FBE-48D8-BF2A-85DF203E4D20}" type="datetimeFigureOut">
               <a:rPr lang="bg-BG" smtClean="0"/>
-              <a:t>8.11.2015 г.</a:t>
+              <a:t>3.2.2016 г.</a:t>
             </a:fld>
             <a:endParaRPr lang="bg-BG"/>
           </a:p>
@@ -2137,7 +2137,7 @@
           <a:p>
             <a:fld id="{3EA744D9-3FBE-48D8-BF2A-85DF203E4D20}" type="datetimeFigureOut">
               <a:rPr lang="bg-BG" smtClean="0"/>
-              <a:t>8.11.2015 г.</a:t>
+              <a:t>3.2.2016 г.</a:t>
             </a:fld>
             <a:endParaRPr lang="bg-BG"/>
           </a:p>
@@ -2255,7 +2255,7 @@
           <a:p>
             <a:fld id="{3EA744D9-3FBE-48D8-BF2A-85DF203E4D20}" type="datetimeFigureOut">
               <a:rPr lang="bg-BG" smtClean="0"/>
-              <a:t>8.11.2015 г.</a:t>
+              <a:t>3.2.2016 г.</a:t>
             </a:fld>
             <a:endParaRPr lang="bg-BG"/>
           </a:p>
@@ -2350,7 +2350,7 @@
           <a:p>
             <a:fld id="{3EA744D9-3FBE-48D8-BF2A-85DF203E4D20}" type="datetimeFigureOut">
               <a:rPr lang="bg-BG" smtClean="0"/>
-              <a:t>8.11.2015 г.</a:t>
+              <a:t>3.2.2016 г.</a:t>
             </a:fld>
             <a:endParaRPr lang="bg-BG"/>
           </a:p>
@@ -2627,7 +2627,7 @@
           <a:p>
             <a:fld id="{3EA744D9-3FBE-48D8-BF2A-85DF203E4D20}" type="datetimeFigureOut">
               <a:rPr lang="bg-BG" smtClean="0"/>
-              <a:t>8.11.2015 г.</a:t>
+              <a:t>3.2.2016 г.</a:t>
             </a:fld>
             <a:endParaRPr lang="bg-BG"/>
           </a:p>
@@ -2880,7 +2880,7 @@
           <a:p>
             <a:fld id="{3EA744D9-3FBE-48D8-BF2A-85DF203E4D20}" type="datetimeFigureOut">
               <a:rPr lang="bg-BG" smtClean="0"/>
-              <a:t>8.11.2015 г.</a:t>
+              <a:t>3.2.2016 г.</a:t>
             </a:fld>
             <a:endParaRPr lang="bg-BG"/>
           </a:p>
@@ -3102,7 +3102,7 @@
           <a:p>
             <a:fld id="{3EA744D9-3FBE-48D8-BF2A-85DF203E4D20}" type="datetimeFigureOut">
               <a:rPr lang="bg-BG" smtClean="0"/>
-              <a:t>8.11.2015 г.</a:t>
+              <a:t>3.2.2016 г.</a:t>
             </a:fld>
             <a:endParaRPr lang="bg-BG"/>
           </a:p>
@@ -3613,15 +3613,327 @@
                   <a:schemeClr val="bg1"/>
                 </a:solidFill>
               </a:rPr>
-              <a:t>Да се въведат два масива от </a:t>
-            </a:r>
-            <a:r>
-              <a:rPr lang="en-US" dirty="0" smtClean="0">
-                <a:solidFill>
-                  <a:schemeClr val="bg1"/>
-                </a:solidFill>
-              </a:rPr>
-              <a:t>N </a:t>
+              <a:t>Имаме 2 </a:t>
+            </a:r>
+            <a:r>
+              <a:rPr lang="ru-RU" dirty="0" err="1">
+                <a:solidFill>
+                  <a:schemeClr val="bg1"/>
+                </a:solidFill>
+              </a:rPr>
+              <a:t>едномерни</a:t>
+            </a:r>
+            <a:r>
+              <a:rPr lang="ru-RU" dirty="0">
+                <a:solidFill>
+                  <a:schemeClr val="bg1"/>
+                </a:solidFill>
+              </a:rPr>
+              <a:t> </a:t>
+            </a:r>
+            <a:r>
+              <a:rPr lang="ru-RU" dirty="0" err="1">
+                <a:solidFill>
+                  <a:schemeClr val="bg1"/>
+                </a:solidFill>
+              </a:rPr>
+              <a:t>масиви</a:t>
+            </a:r>
+            <a:r>
+              <a:rPr lang="ru-RU" dirty="0">
+                <a:solidFill>
+                  <a:schemeClr val="bg1"/>
+                </a:solidFill>
+              </a:rPr>
+              <a:t> с </a:t>
+            </a:r>
+            <a:r>
+              <a:rPr lang="ru-RU" dirty="0" err="1">
+                <a:solidFill>
+                  <a:schemeClr val="bg1"/>
+                </a:solidFill>
+              </a:rPr>
+              <a:t>еднаква</a:t>
+            </a:r>
+            <a:r>
+              <a:rPr lang="ru-RU" dirty="0">
+                <a:solidFill>
+                  <a:schemeClr val="bg1"/>
+                </a:solidFill>
+              </a:rPr>
+              <a:t> </a:t>
+            </a:r>
+            <a:r>
+              <a:rPr lang="ru-RU" dirty="0" err="1">
+                <a:solidFill>
+                  <a:schemeClr val="bg1"/>
+                </a:solidFill>
+              </a:rPr>
+              <a:t>дължина</a:t>
+            </a:r>
+            <a:r>
+              <a:rPr lang="ru-RU" dirty="0">
+                <a:solidFill>
+                  <a:schemeClr val="bg1"/>
+                </a:solidFill>
+              </a:rPr>
+              <a:t>, </a:t>
+            </a:r>
+            <a:r>
+              <a:rPr lang="ru-RU" dirty="0" err="1">
+                <a:solidFill>
+                  <a:schemeClr val="bg1"/>
+                </a:solidFill>
+              </a:rPr>
+              <a:t>пълни</a:t>
+            </a:r>
+            <a:r>
+              <a:rPr lang="ru-RU" dirty="0">
+                <a:solidFill>
+                  <a:schemeClr val="bg1"/>
+                </a:solidFill>
+              </a:rPr>
+              <a:t> с цели числа.  </a:t>
+            </a:r>
+            <a:r>
+              <a:rPr lang="ru-RU" dirty="0" err="1">
+                <a:solidFill>
+                  <a:schemeClr val="bg1"/>
+                </a:solidFill>
+              </a:rPr>
+              <a:t>Първия</a:t>
+            </a:r>
+            <a:r>
+              <a:rPr lang="ru-RU" dirty="0">
+                <a:solidFill>
+                  <a:schemeClr val="bg1"/>
+                </a:solidFill>
+              </a:rPr>
+              <a:t> </a:t>
+            </a:r>
+            <a:r>
+              <a:rPr lang="ru-RU" dirty="0" err="1">
+                <a:solidFill>
+                  <a:schemeClr val="bg1"/>
+                </a:solidFill>
+              </a:rPr>
+              <a:t>масив</a:t>
+            </a:r>
+            <a:r>
+              <a:rPr lang="ru-RU" dirty="0">
+                <a:solidFill>
+                  <a:schemeClr val="bg1"/>
+                </a:solidFill>
+              </a:rPr>
+              <a:t> </a:t>
+            </a:r>
+            <a:r>
+              <a:rPr lang="ru-RU" dirty="0" err="1">
+                <a:solidFill>
+                  <a:schemeClr val="bg1"/>
+                </a:solidFill>
+              </a:rPr>
+              <a:t>нека</a:t>
+            </a:r>
+            <a:r>
+              <a:rPr lang="ru-RU" dirty="0">
+                <a:solidFill>
+                  <a:schemeClr val="bg1"/>
+                </a:solidFill>
+              </a:rPr>
+              <a:t> да </a:t>
+            </a:r>
+            <a:r>
+              <a:rPr lang="ru-RU" dirty="0" err="1">
+                <a:solidFill>
+                  <a:schemeClr val="bg1"/>
+                </a:solidFill>
+              </a:rPr>
+              <a:t>бъде</a:t>
+            </a:r>
+            <a:r>
+              <a:rPr lang="ru-RU" dirty="0">
+                <a:solidFill>
+                  <a:schemeClr val="bg1"/>
+                </a:solidFill>
+              </a:rPr>
+              <a:t> </a:t>
+            </a:r>
+            <a:r>
+              <a:rPr lang="ru-RU" dirty="0" err="1">
+                <a:solidFill>
+                  <a:schemeClr val="bg1"/>
+                </a:solidFill>
+              </a:rPr>
+              <a:t>int</a:t>
+            </a:r>
+            <a:r>
+              <a:rPr lang="ru-RU" dirty="0">
+                <a:solidFill>
+                  <a:schemeClr val="bg1"/>
+                </a:solidFill>
+              </a:rPr>
+              <a:t>[] a, а </a:t>
+            </a:r>
+            <a:r>
+              <a:rPr lang="ru-RU" dirty="0" err="1">
+                <a:solidFill>
+                  <a:schemeClr val="bg1"/>
+                </a:solidFill>
+              </a:rPr>
+              <a:t>втория</a:t>
+            </a:r>
+            <a:r>
+              <a:rPr lang="ru-RU" dirty="0">
+                <a:solidFill>
+                  <a:schemeClr val="bg1"/>
+                </a:solidFill>
+              </a:rPr>
+              <a:t>  </a:t>
+            </a:r>
+            <a:r>
+              <a:rPr lang="ru-RU" dirty="0" err="1">
+                <a:solidFill>
+                  <a:schemeClr val="bg1"/>
+                </a:solidFill>
+              </a:rPr>
+              <a:t>нека</a:t>
+            </a:r>
+            <a:r>
+              <a:rPr lang="ru-RU" dirty="0">
+                <a:solidFill>
+                  <a:schemeClr val="bg1"/>
+                </a:solidFill>
+              </a:rPr>
+              <a:t> да </a:t>
+            </a:r>
+            <a:r>
+              <a:rPr lang="ru-RU" dirty="0" err="1">
+                <a:solidFill>
+                  <a:schemeClr val="bg1"/>
+                </a:solidFill>
+              </a:rPr>
+              <a:t>бъде</a:t>
+            </a:r>
+            <a:r>
+              <a:rPr lang="ru-RU" dirty="0">
+                <a:solidFill>
+                  <a:schemeClr val="bg1"/>
+                </a:solidFill>
+              </a:rPr>
+              <a:t> </a:t>
+            </a:r>
+            <a:r>
+              <a:rPr lang="ru-RU" dirty="0" err="1">
+                <a:solidFill>
+                  <a:schemeClr val="bg1"/>
+                </a:solidFill>
+              </a:rPr>
+              <a:t>int</a:t>
+            </a:r>
+            <a:r>
+              <a:rPr lang="ru-RU" dirty="0">
+                <a:solidFill>
+                  <a:schemeClr val="bg1"/>
+                </a:solidFill>
+              </a:rPr>
+              <a:t>[] b. </a:t>
+            </a:r>
+            <a:r>
+              <a:rPr lang="ru-RU" dirty="0" err="1">
+                <a:solidFill>
+                  <a:schemeClr val="bg1"/>
+                </a:solidFill>
+              </a:rPr>
+              <a:t>Търсим</a:t>
+            </a:r>
+            <a:r>
+              <a:rPr lang="ru-RU" dirty="0">
+                <a:solidFill>
+                  <a:schemeClr val="bg1"/>
+                </a:solidFill>
+              </a:rPr>
+              <a:t> </a:t>
+            </a:r>
+            <a:r>
+              <a:rPr lang="ru-RU" dirty="0" err="1">
+                <a:solidFill>
+                  <a:schemeClr val="bg1"/>
+                </a:solidFill>
+              </a:rPr>
+              <a:t>всички</a:t>
+            </a:r>
+            <a:r>
+              <a:rPr lang="ru-RU" dirty="0">
+                <a:solidFill>
+                  <a:schemeClr val="bg1"/>
+                </a:solidFill>
+              </a:rPr>
+              <a:t> „</a:t>
+            </a:r>
+            <a:r>
+              <a:rPr lang="ru-RU" dirty="0" err="1">
+                <a:solidFill>
+                  <a:schemeClr val="bg1"/>
+                </a:solidFill>
+              </a:rPr>
+              <a:t>добри</a:t>
+            </a:r>
+            <a:r>
+              <a:rPr lang="ru-RU" dirty="0">
+                <a:solidFill>
+                  <a:schemeClr val="bg1"/>
+                </a:solidFill>
+              </a:rPr>
+              <a:t> числа“ от 1 до N (</a:t>
+            </a:r>
+            <a:r>
+              <a:rPr lang="ru-RU" dirty="0" err="1">
+                <a:solidFill>
+                  <a:schemeClr val="bg1"/>
+                </a:solidFill>
+              </a:rPr>
+              <a:t>включително</a:t>
+            </a:r>
+            <a:r>
+              <a:rPr lang="ru-RU" dirty="0">
+                <a:solidFill>
+                  <a:schemeClr val="bg1"/>
+                </a:solidFill>
+              </a:rPr>
+              <a:t>). Добро число </a:t>
+            </a:r>
+            <a:r>
+              <a:rPr lang="ru-RU" dirty="0" err="1">
+                <a:solidFill>
+                  <a:schemeClr val="bg1"/>
+                </a:solidFill>
+              </a:rPr>
+              <a:t>наричаме</a:t>
+            </a:r>
+            <a:r>
+              <a:rPr lang="ru-RU" dirty="0">
+                <a:solidFill>
+                  <a:schemeClr val="bg1"/>
+                </a:solidFill>
+              </a:rPr>
+              <a:t>, число </a:t>
+            </a:r>
+            <a:r>
+              <a:rPr lang="ru-RU" dirty="0" err="1">
+                <a:solidFill>
+                  <a:schemeClr val="bg1"/>
+                </a:solidFill>
+              </a:rPr>
+              <a:t>което</a:t>
+            </a:r>
+            <a:r>
+              <a:rPr lang="ru-RU" dirty="0">
+                <a:solidFill>
+                  <a:schemeClr val="bg1"/>
+                </a:solidFill>
+              </a:rPr>
+              <a:t> е кратно на a[i], но не е кратно на b[i</a:t>
             </a:r>
             <a:r>
               <a:rPr lang="ru-RU" dirty="0" smtClean="0">
@@ -3629,49 +3941,9 @@
                   <a:schemeClr val="bg1"/>
                 </a:solidFill>
               </a:rPr>
-              <a:t>елем</a:t>
-            </a:r>
-            <a:r>
-              <a:rPr lang="en-US" dirty="0" smtClean="0">
-                <a:solidFill>
-                  <a:schemeClr val="bg1"/>
-                </a:solidFill>
-              </a:rPr>
-              <a:t>e</a:t>
-            </a:r>
-            <a:r>
-              <a:rPr lang="ru-RU" dirty="0" smtClean="0">
-                <a:solidFill>
-                  <a:schemeClr val="bg1"/>
-                </a:solidFill>
-              </a:rPr>
-              <a:t>нта</a:t>
-            </a:r>
-            <a:r>
-              <a:rPr lang="en-US" dirty="0" smtClean="0">
-                <a:solidFill>
-                  <a:schemeClr val="bg1"/>
-                </a:solidFill>
-              </a:rPr>
-              <a:t> </a:t>
-            </a:r>
-            <a:r>
-              <a:rPr lang="ru-RU" dirty="0" smtClean="0">
-                <a:solidFill>
-                  <a:schemeClr val="bg1"/>
-                </a:solidFill>
-              </a:rPr>
-              <a:t>- </a:t>
-            </a:r>
-            <a:r>
-              <a:rPr lang="ru-RU" dirty="0">
-                <a:solidFill>
-                  <a:schemeClr val="bg1"/>
-                </a:solidFill>
-              </a:rPr>
-              <a:t>цели числа. Да се изведат всички елементи, които се срещат и в двата масива. </a:t>
-            </a:r>
-            <a:endParaRPr lang="bg-BG" dirty="0" smtClean="0">
+              <a:t>].</a:t>
+            </a:r>
+            <a:endParaRPr lang="en-US" dirty="0" smtClean="0">
               <a:solidFill>
                 <a:schemeClr val="bg1"/>
               </a:solidFill>
@@ -3779,149 +4051,247 @@
               <a:buNone/>
             </a:pPr>
             <a:r>
-              <a:rPr lang="ru-RU" dirty="0">
-                <a:solidFill>
-                  <a:schemeClr val="bg1"/>
-                </a:solidFill>
-              </a:rPr>
-              <a:t>Имате двумерен </a:t>
-            </a:r>
-            <a:r>
-              <a:rPr lang="ru-RU" dirty="0" err="1" smtClean="0">
-                <a:solidFill>
-                  <a:schemeClr val="bg1"/>
-                </a:solidFill>
-              </a:rPr>
-              <a:t>масив</a:t>
-            </a:r>
-            <a:r>
-              <a:rPr lang="ru-RU" dirty="0" smtClean="0">
-                <a:solidFill>
-                  <a:schemeClr val="bg1"/>
-                </a:solidFill>
-              </a:rPr>
-              <a:t> </a:t>
-            </a:r>
-            <a:r>
-              <a:rPr lang="ru-RU" dirty="0">
-                <a:solidFill>
-                  <a:schemeClr val="bg1"/>
-                </a:solidFill>
-              </a:rPr>
-              <a:t>от естествени числа от интервала [0..</a:t>
-            </a:r>
-            <a:r>
-              <a:rPr lang="ru-RU" dirty="0" smtClean="0">
-                <a:solidFill>
-                  <a:schemeClr val="bg1"/>
-                </a:solidFill>
-              </a:rPr>
-              <a:t>100</a:t>
-            </a:r>
-            <a:r>
-              <a:rPr lang="en-US" dirty="0" smtClean="0">
-                <a:solidFill>
-                  <a:schemeClr val="bg1"/>
-                </a:solidFill>
-              </a:rPr>
-              <a:t>]</a:t>
-            </a:r>
-            <a:r>
-              <a:rPr lang="ru-RU" dirty="0" smtClean="0">
+              <a:rPr lang="ru-RU" sz="2000" dirty="0">
+                <a:solidFill>
+                  <a:schemeClr val="bg1"/>
+                </a:solidFill>
+              </a:rPr>
+              <a:t>Пример #1:</a:t>
+            </a:r>
+          </a:p>
+          <a:p>
+            <a:pPr marL="0" indent="0">
+              <a:buNone/>
+            </a:pPr>
+            <a:r>
+              <a:rPr lang="ru-RU" sz="2000" dirty="0" err="1">
+                <a:solidFill>
+                  <a:schemeClr val="bg1"/>
+                </a:solidFill>
+              </a:rPr>
+              <a:t>int</a:t>
+            </a:r>
+            <a:r>
+              <a:rPr lang="ru-RU" sz="2000" dirty="0">
+                <a:solidFill>
+                  <a:schemeClr val="bg1"/>
+                </a:solidFill>
+              </a:rPr>
+              <a:t> a[] = {4};</a:t>
+            </a:r>
+          </a:p>
+          <a:p>
+            <a:pPr marL="0" indent="0">
+              <a:buNone/>
+            </a:pPr>
+            <a:r>
+              <a:rPr lang="ru-RU" sz="2000" dirty="0" err="1">
+                <a:solidFill>
+                  <a:schemeClr val="bg1"/>
+                </a:solidFill>
+              </a:rPr>
+              <a:t>int</a:t>
+            </a:r>
+            <a:r>
+              <a:rPr lang="ru-RU" sz="2000" dirty="0">
+                <a:solidFill>
+                  <a:schemeClr val="bg1"/>
+                </a:solidFill>
+              </a:rPr>
+              <a:t> b[] = {3};</a:t>
+            </a:r>
+          </a:p>
+          <a:p>
+            <a:pPr marL="0" indent="0">
+              <a:buNone/>
+            </a:pPr>
+            <a:r>
+              <a:rPr lang="ru-RU" sz="2000" dirty="0">
+                <a:solidFill>
+                  <a:schemeClr val="bg1"/>
+                </a:solidFill>
+              </a:rPr>
+              <a:t>N = 20</a:t>
+            </a:r>
+            <a:r>
+              <a:rPr lang="ru-RU" sz="2000" dirty="0" smtClean="0">
+                <a:solidFill>
+                  <a:schemeClr val="bg1"/>
+                </a:solidFill>
+              </a:rPr>
+              <a:t>;</a:t>
+            </a:r>
+            <a:endParaRPr lang="en-US" sz="2000" dirty="0" smtClean="0">
+              <a:solidFill>
+                <a:schemeClr val="bg1"/>
+              </a:solidFill>
+            </a:endParaRPr>
+          </a:p>
+          <a:p>
+            <a:pPr marL="0" indent="0">
+              <a:buNone/>
+            </a:pPr>
+            <a:endParaRPr lang="en-US" sz="2000" dirty="0" smtClean="0">
+              <a:solidFill>
+                <a:schemeClr val="bg1"/>
+              </a:solidFill>
+            </a:endParaRPr>
+          </a:p>
+          <a:p>
+            <a:pPr marL="0" indent="0">
+              <a:buNone/>
+            </a:pPr>
+            <a:r>
+              <a:rPr lang="ru-RU" sz="2000" dirty="0" smtClean="0">
+                <a:solidFill>
+                  <a:schemeClr val="bg1"/>
+                </a:solidFill>
+              </a:rPr>
+              <a:t>Отговор </a:t>
+            </a:r>
+            <a:r>
+              <a:rPr lang="ru-RU" sz="2000" dirty="0">
+                <a:solidFill>
+                  <a:schemeClr val="bg1"/>
+                </a:solidFill>
+              </a:rPr>
+              <a:t>#1: </a:t>
+            </a:r>
+          </a:p>
+          <a:p>
+            <a:pPr marL="0" indent="0">
+              <a:buNone/>
+            </a:pPr>
+            <a:r>
+              <a:rPr lang="ru-RU" sz="2000" dirty="0">
+                <a:solidFill>
+                  <a:schemeClr val="bg1"/>
+                </a:solidFill>
+              </a:rPr>
+              <a:t>4, 8, 16, 20</a:t>
+            </a:r>
+            <a:r>
+              <a:rPr lang="ru-RU" sz="2000" dirty="0" smtClean="0">
                 <a:solidFill>
                   <a:schemeClr val="bg1"/>
                 </a:solidFill>
               </a:rPr>
               <a:t>.</a:t>
             </a:r>
-            <a:r>
-              <a:rPr lang="ru-RU" dirty="0">
-                <a:solidFill>
-                  <a:schemeClr val="bg1"/>
-                </a:solidFill>
-              </a:rPr>
-              <a:t> </a:t>
-            </a:r>
-            <a:br>
-              <a:rPr lang="ru-RU" dirty="0">
-                <a:solidFill>
-                  <a:schemeClr val="bg1"/>
-                </a:solidFill>
-              </a:rPr>
-            </a:br>
-            <a:r>
-              <a:rPr lang="ru-RU" dirty="0">
-                <a:solidFill>
-                  <a:schemeClr val="bg1"/>
-                </a:solidFill>
-              </a:rPr>
-              <a:t>Да се състави </a:t>
-            </a:r>
-            <a:r>
-              <a:rPr lang="ru-RU" dirty="0" smtClean="0">
-                <a:solidFill>
-                  <a:schemeClr val="bg1"/>
-                </a:solidFill>
-              </a:rPr>
-              <a:t>програма, чрез </a:t>
-            </a:r>
-            <a:r>
-              <a:rPr lang="ru-RU" dirty="0">
-                <a:solidFill>
-                  <a:schemeClr val="bg1"/>
-                </a:solidFill>
-              </a:rPr>
-              <a:t>която се извеждат елементите от масива с най-малката и </a:t>
-            </a:r>
-            <a:r>
-              <a:rPr lang="ru-RU" dirty="0" err="1">
-                <a:solidFill>
-                  <a:schemeClr val="bg1"/>
-                </a:solidFill>
-              </a:rPr>
-              <a:t>най-голямата</a:t>
-            </a:r>
-            <a:r>
-              <a:rPr lang="ru-RU" dirty="0">
-                <a:solidFill>
-                  <a:schemeClr val="bg1"/>
-                </a:solidFill>
-              </a:rPr>
-              <a:t> </a:t>
-            </a:r>
-            <a:r>
-              <a:rPr lang="ru-RU" dirty="0" err="1" smtClean="0">
-                <a:solidFill>
-                  <a:schemeClr val="bg1"/>
-                </a:solidFill>
-              </a:rPr>
-              <a:t>стойност</a:t>
-            </a:r>
-            <a:r>
-              <a:rPr lang="bg-BG" dirty="0">
-                <a:solidFill>
-                  <a:schemeClr val="bg1"/>
-                </a:solidFill>
-              </a:rPr>
-              <a:t> </a:t>
-            </a:r>
-            <a:r>
-              <a:rPr lang="bg-BG" dirty="0" smtClean="0">
-                <a:solidFill>
-                  <a:schemeClr val="bg1"/>
-                </a:solidFill>
-              </a:rPr>
-              <a:t>заедно с индексите, на които се намират</a:t>
-            </a:r>
-            <a:r>
-              <a:rPr lang="ru-RU" dirty="0" smtClean="0">
-                <a:solidFill>
-                  <a:schemeClr val="bg1"/>
-                </a:solidFill>
-              </a:rPr>
-              <a:t>.</a:t>
-            </a:r>
-            <a:endParaRPr lang="bg-BG" dirty="0" smtClean="0">
+            <a:endParaRPr lang="en-US" sz="2000" dirty="0" smtClean="0">
+              <a:solidFill>
+                <a:schemeClr val="bg1"/>
+              </a:solidFill>
+            </a:endParaRPr>
+          </a:p>
+          <a:p>
+            <a:pPr marL="0" indent="0">
+              <a:buNone/>
+            </a:pPr>
+            <a:endParaRPr lang="ru-RU" sz="2000" dirty="0">
+              <a:solidFill>
+                <a:schemeClr val="bg1"/>
+              </a:solidFill>
+            </a:endParaRPr>
+          </a:p>
+          <a:p>
+            <a:pPr marL="0" indent="0">
+              <a:buNone/>
+            </a:pPr>
+            <a:r>
+              <a:rPr lang="ru-RU" sz="2000" dirty="0" err="1">
+                <a:solidFill>
+                  <a:schemeClr val="bg1"/>
+                </a:solidFill>
+              </a:rPr>
+              <a:t>Обяснение</a:t>
+            </a:r>
+            <a:r>
+              <a:rPr lang="ru-RU" sz="2000" dirty="0">
+                <a:solidFill>
+                  <a:schemeClr val="bg1"/>
+                </a:solidFill>
+              </a:rPr>
+              <a:t> #1: </a:t>
+            </a:r>
+          </a:p>
+          <a:p>
+            <a:pPr marL="0" indent="0">
+              <a:buNone/>
+            </a:pPr>
+            <a:r>
+              <a:rPr lang="ru-RU" sz="2000" dirty="0" err="1">
+                <a:solidFill>
+                  <a:schemeClr val="bg1"/>
+                </a:solidFill>
+              </a:rPr>
+              <a:t>Кратните</a:t>
+            </a:r>
+            <a:r>
+              <a:rPr lang="ru-RU" sz="2000" dirty="0">
+                <a:solidFill>
+                  <a:schemeClr val="bg1"/>
+                </a:solidFill>
+              </a:rPr>
+              <a:t> на 4 числа от 1 до 20 </a:t>
+            </a:r>
+            <a:r>
+              <a:rPr lang="ru-RU" sz="2000" dirty="0" err="1">
+                <a:solidFill>
+                  <a:schemeClr val="bg1"/>
+                </a:solidFill>
+              </a:rPr>
+              <a:t>са</a:t>
+            </a:r>
+            <a:r>
+              <a:rPr lang="ru-RU" sz="2000" dirty="0">
+                <a:solidFill>
+                  <a:schemeClr val="bg1"/>
+                </a:solidFill>
+              </a:rPr>
+              <a:t>: 4, 8, 12, 16 и 20, но </a:t>
+            </a:r>
+            <a:r>
+              <a:rPr lang="ru-RU" sz="2000" dirty="0" err="1">
+                <a:solidFill>
+                  <a:schemeClr val="bg1"/>
+                </a:solidFill>
+              </a:rPr>
+              <a:t>изключваме</a:t>
+            </a:r>
+            <a:r>
+              <a:rPr lang="ru-RU" sz="2000" dirty="0">
+                <a:solidFill>
+                  <a:schemeClr val="bg1"/>
+                </a:solidFill>
+              </a:rPr>
+              <a:t> 12 </a:t>
+            </a:r>
+            <a:r>
+              <a:rPr lang="ru-RU" sz="2000" dirty="0" err="1">
+                <a:solidFill>
+                  <a:schemeClr val="bg1"/>
+                </a:solidFill>
+              </a:rPr>
+              <a:t>защото</a:t>
+            </a:r>
+            <a:r>
+              <a:rPr lang="ru-RU" sz="2000" dirty="0">
+                <a:solidFill>
+                  <a:schemeClr val="bg1"/>
+                </a:solidFill>
+              </a:rPr>
+              <a:t> то е кратно на </a:t>
+            </a:r>
+            <a:r>
+              <a:rPr lang="ru-RU" sz="2000" dirty="0" smtClean="0">
+                <a:solidFill>
+                  <a:schemeClr val="bg1"/>
+                </a:solidFill>
+              </a:rPr>
+              <a:t>3</a:t>
+            </a:r>
+            <a:endParaRPr lang="ru-RU" sz="2000" dirty="0">
               <a:solidFill>
                 <a:schemeClr val="bg1"/>
               </a:solidFill>
@@ -4021,7 +4391,7 @@
         </p:spPr>
         <p:txBody>
           <a:bodyPr>
-            <a:normAutofit/>
+            <a:noAutofit/>
           </a:bodyPr>
           <a:lstStyle/>
           <a:p>
@@ -4029,20 +4399,326 @@
               <a:buNone/>
             </a:pPr>
             <a:r>
-              <a:rPr lang="ru-RU" dirty="0">
-                <a:solidFill>
-                  <a:schemeClr val="bg1">
-                    <a:lumMod val="95000"/>
-                  </a:schemeClr>
-                </a:solidFill>
-              </a:rPr>
-              <a:t>Даден е масив с 10 елемента. Да се намери максималния измежду елементите с четен индекс и минималния измежду елементите с нечетен индекс. </a:t>
-            </a:r>
-            <a:endParaRPr lang="bg-BG" dirty="0" smtClean="0">
+              <a:rPr lang="ru-RU" sz="2000" dirty="0" smtClean="0">
+                <a:solidFill>
+                  <a:schemeClr val="bg1"/>
+                </a:solidFill>
+              </a:rPr>
+              <a:t>Пример </a:t>
+            </a:r>
+            <a:r>
+              <a:rPr lang="ru-RU" sz="2000" dirty="0">
+                <a:solidFill>
+                  <a:schemeClr val="bg1"/>
+                </a:solidFill>
+              </a:rPr>
+              <a:t>#2:</a:t>
+            </a:r>
+          </a:p>
+          <a:p>
+            <a:pPr marL="0" indent="0">
+              <a:buNone/>
+            </a:pPr>
+            <a:r>
+              <a:rPr lang="ru-RU" sz="2000" dirty="0" err="1">
+                <a:solidFill>
+                  <a:schemeClr val="bg1"/>
+                </a:solidFill>
+              </a:rPr>
+              <a:t>int</a:t>
+            </a:r>
+            <a:r>
+              <a:rPr lang="ru-RU" sz="2000" dirty="0">
+                <a:solidFill>
+                  <a:schemeClr val="bg1"/>
+                </a:solidFill>
+              </a:rPr>
+              <a:t> a[] = {3, 2};</a:t>
+            </a:r>
+          </a:p>
+          <a:p>
+            <a:pPr marL="0" indent="0">
+              <a:buNone/>
+            </a:pPr>
+            <a:r>
+              <a:rPr lang="ru-RU" sz="2000" dirty="0" err="1">
+                <a:solidFill>
+                  <a:schemeClr val="bg1"/>
+                </a:solidFill>
+              </a:rPr>
+              <a:t>int</a:t>
+            </a:r>
+            <a:r>
+              <a:rPr lang="ru-RU" sz="2000" dirty="0">
+                <a:solidFill>
+                  <a:schemeClr val="bg1"/>
+                </a:solidFill>
+              </a:rPr>
+              <a:t> b[] = {2, 3};</a:t>
+            </a:r>
+          </a:p>
+          <a:p>
+            <a:pPr marL="0" indent="0">
+              <a:buNone/>
+            </a:pPr>
+            <a:r>
+              <a:rPr lang="ru-RU" sz="2000" dirty="0">
+                <a:solidFill>
+                  <a:schemeClr val="bg1"/>
+                </a:solidFill>
+              </a:rPr>
+              <a:t>N = 9</a:t>
+            </a:r>
+            <a:r>
+              <a:rPr lang="ru-RU" sz="2000" dirty="0" smtClean="0">
+                <a:solidFill>
+                  <a:schemeClr val="bg1"/>
+                </a:solidFill>
+              </a:rPr>
+              <a:t>;</a:t>
+            </a:r>
+            <a:endParaRPr lang="en-US" sz="2000" dirty="0" smtClean="0">
               <a:solidFill>
-                <a:schemeClr val="bg1">
-                  <a:lumMod val="95000"/>
-                </a:schemeClr>
+                <a:schemeClr val="bg1"/>
+              </a:solidFill>
+            </a:endParaRPr>
+          </a:p>
+          <a:p>
+            <a:pPr marL="0" indent="0">
+              <a:buNone/>
+            </a:pPr>
+            <a:endParaRPr lang="ru-RU" sz="2000" dirty="0">
+              <a:solidFill>
+                <a:schemeClr val="bg1"/>
+              </a:solidFill>
+            </a:endParaRPr>
+          </a:p>
+          <a:p>
+            <a:pPr marL="0" indent="0">
+              <a:buNone/>
+            </a:pPr>
+            <a:r>
+              <a:rPr lang="ru-RU" sz="2000" dirty="0">
+                <a:solidFill>
+                  <a:schemeClr val="bg1"/>
+                </a:solidFill>
+              </a:rPr>
+              <a:t>Отговор #2: </a:t>
+            </a:r>
+          </a:p>
+          <a:p>
+            <a:pPr marL="0" indent="0">
+              <a:buNone/>
+            </a:pPr>
+            <a:r>
+              <a:rPr lang="ru-RU" sz="2000" dirty="0">
+                <a:solidFill>
+                  <a:schemeClr val="bg1"/>
+                </a:solidFill>
+              </a:rPr>
+              <a:t>2, 3, 4, 8, </a:t>
+            </a:r>
+            <a:r>
+              <a:rPr lang="ru-RU" sz="2000" dirty="0" smtClean="0">
+                <a:solidFill>
+                  <a:schemeClr val="bg1"/>
+                </a:solidFill>
+              </a:rPr>
+              <a:t>9</a:t>
+            </a:r>
+            <a:endParaRPr lang="en-US" sz="2000" dirty="0" smtClean="0">
+              <a:solidFill>
+                <a:schemeClr val="bg1"/>
+              </a:solidFill>
+            </a:endParaRPr>
+          </a:p>
+          <a:p>
+            <a:pPr marL="0" indent="0">
+              <a:buNone/>
+            </a:pPr>
+            <a:endParaRPr lang="ru-RU" sz="2000" dirty="0">
+              <a:solidFill>
+                <a:schemeClr val="bg1"/>
+              </a:solidFill>
+            </a:endParaRPr>
+          </a:p>
+          <a:p>
+            <a:pPr marL="0" indent="0">
+              <a:buNone/>
+            </a:pPr>
+            <a:r>
+              <a:rPr lang="ru-RU" sz="2000" dirty="0" err="1">
+                <a:solidFill>
+                  <a:schemeClr val="bg1"/>
+                </a:solidFill>
+              </a:rPr>
+              <a:t>Обяснение</a:t>
+            </a:r>
+            <a:r>
+              <a:rPr lang="ru-RU" sz="2000" dirty="0">
+                <a:solidFill>
+                  <a:schemeClr val="bg1"/>
+                </a:solidFill>
+              </a:rPr>
+              <a:t> #2: </a:t>
+            </a:r>
+          </a:p>
+          <a:p>
+            <a:pPr marL="0" indent="0">
+              <a:buNone/>
+            </a:pPr>
+            <a:r>
+              <a:rPr lang="ru-RU" sz="2000" dirty="0">
+                <a:solidFill>
+                  <a:schemeClr val="bg1"/>
+                </a:solidFill>
+              </a:rPr>
+              <a:t>При i=0: </a:t>
+            </a:r>
+            <a:r>
+              <a:rPr lang="ru-RU" sz="2000" dirty="0" err="1">
+                <a:solidFill>
+                  <a:schemeClr val="bg1"/>
+                </a:solidFill>
+              </a:rPr>
+              <a:t>Кратните</a:t>
+            </a:r>
+            <a:r>
+              <a:rPr lang="ru-RU" sz="2000" dirty="0">
+                <a:solidFill>
+                  <a:schemeClr val="bg1"/>
+                </a:solidFill>
+              </a:rPr>
+              <a:t> на 3 числа от 1 до 9 </a:t>
+            </a:r>
+            <a:r>
+              <a:rPr lang="ru-RU" sz="2000" dirty="0" err="1">
+                <a:solidFill>
+                  <a:schemeClr val="bg1"/>
+                </a:solidFill>
+              </a:rPr>
+              <a:t>са</a:t>
+            </a:r>
+            <a:r>
+              <a:rPr lang="ru-RU" sz="2000" dirty="0">
+                <a:solidFill>
+                  <a:schemeClr val="bg1"/>
+                </a:solidFill>
+              </a:rPr>
+              <a:t>: 3, 6, 9, но </a:t>
+            </a:r>
+            <a:r>
+              <a:rPr lang="ru-RU" sz="2000" dirty="0" err="1">
+                <a:solidFill>
+                  <a:schemeClr val="bg1"/>
+                </a:solidFill>
+              </a:rPr>
+              <a:t>изключваме</a:t>
+            </a:r>
+            <a:r>
+              <a:rPr lang="ru-RU" sz="2000" dirty="0">
+                <a:solidFill>
+                  <a:schemeClr val="bg1"/>
+                </a:solidFill>
+              </a:rPr>
+              <a:t> 6 </a:t>
+            </a:r>
+            <a:r>
+              <a:rPr lang="ru-RU" sz="2000" dirty="0" err="1">
+                <a:solidFill>
+                  <a:schemeClr val="bg1"/>
+                </a:solidFill>
+              </a:rPr>
+              <a:t>защото</a:t>
+            </a:r>
+            <a:r>
+              <a:rPr lang="ru-RU" sz="2000" dirty="0">
+                <a:solidFill>
+                  <a:schemeClr val="bg1"/>
+                </a:solidFill>
+              </a:rPr>
+              <a:t> то е кратно на 2.</a:t>
+            </a:r>
+          </a:p>
+          <a:p>
+            <a:pPr marL="0" indent="0">
+              <a:buNone/>
+            </a:pPr>
+            <a:r>
+              <a:rPr lang="ru-RU" sz="2000" dirty="0">
+                <a:solidFill>
+                  <a:schemeClr val="bg1"/>
+                </a:solidFill>
+              </a:rPr>
+              <a:t>При i=1: </a:t>
+            </a:r>
+            <a:r>
+              <a:rPr lang="ru-RU" sz="2000" dirty="0" err="1">
+                <a:solidFill>
+                  <a:schemeClr val="bg1"/>
+                </a:solidFill>
+              </a:rPr>
+              <a:t>Кратните</a:t>
+            </a:r>
+            <a:r>
+              <a:rPr lang="ru-RU" sz="2000" dirty="0">
+                <a:solidFill>
+                  <a:schemeClr val="bg1"/>
+                </a:solidFill>
+              </a:rPr>
+              <a:t> на 2 числа от 1 до 9 </a:t>
+            </a:r>
+            <a:r>
+              <a:rPr lang="ru-RU" sz="2000" dirty="0" err="1">
+                <a:solidFill>
+                  <a:schemeClr val="bg1"/>
+                </a:solidFill>
+              </a:rPr>
+              <a:t>са</a:t>
+            </a:r>
+            <a:r>
+              <a:rPr lang="ru-RU" sz="2000" dirty="0">
+                <a:solidFill>
+                  <a:schemeClr val="bg1"/>
+                </a:solidFill>
+              </a:rPr>
+              <a:t> 2, 4, 6 и 8, но </a:t>
+            </a:r>
+            <a:r>
+              <a:rPr lang="ru-RU" sz="2000" dirty="0" err="1">
+                <a:solidFill>
+                  <a:schemeClr val="bg1"/>
+                </a:solidFill>
+              </a:rPr>
+              <a:t>изключваме</a:t>
+            </a:r>
+            <a:r>
+              <a:rPr lang="ru-RU" sz="2000" dirty="0">
+                <a:solidFill>
+                  <a:schemeClr val="bg1"/>
+                </a:solidFill>
+              </a:rPr>
+              <a:t> 6 </a:t>
+            </a:r>
+            <a:r>
+              <a:rPr lang="ru-RU" sz="2000" dirty="0" err="1">
+                <a:solidFill>
+                  <a:schemeClr val="bg1"/>
+                </a:solidFill>
+              </a:rPr>
+              <a:t>защото</a:t>
+            </a:r>
+            <a:r>
+              <a:rPr lang="ru-RU" sz="2000" dirty="0">
+                <a:solidFill>
+                  <a:schemeClr val="bg1"/>
+                </a:solidFill>
+              </a:rPr>
+              <a:t> то е кратно на 3</a:t>
+            </a:r>
+            <a:endParaRPr lang="ru-RU" sz="2000" dirty="0">
+              <a:solidFill>
+                <a:schemeClr val="bg1"/>
               </a:solidFill>
             </a:endParaRPr>
           </a:p>
